--- a/presentations/Bài 17_Moi truong phat trien Spring Boot.pptx
+++ b/presentations/Bài 17_Moi truong phat trien Spring Boot.pptx
@@ -5,7 +5,7 @@
     <p:sldMasterId id="2147483659" r:id="rId1"/>
   </p:sldMasterIdLst>
   <p:notesMasterIdLst>
-    <p:notesMasterId r:id="rId33"/>
+    <p:notesMasterId r:id="rId34"/>
   </p:notesMasterIdLst>
   <p:sldIdLst>
     <p:sldId id="256" r:id="rId2"/>
@@ -39,20 +39,21 @@
     <p:sldId id="320" r:id="rId30"/>
     <p:sldId id="321" r:id="rId31"/>
     <p:sldId id="322" r:id="rId32"/>
+    <p:sldId id="346" r:id="rId33"/>
   </p:sldIdLst>
   <p:sldSz cx="9144000" cy="5143500" type="screen16x9"/>
   <p:notesSz cx="6858000" cy="9144000"/>
   <p:embeddedFontLst>
     <p:embeddedFont>
       <p:font typeface="Alfa Slab One" panose="020B0604020202020204" charset="0"/>
-      <p:regular r:id="rId34"/>
+      <p:regular r:id="rId35"/>
     </p:embeddedFont>
     <p:embeddedFont>
       <p:font typeface="Proxima Nova" panose="020B0604020202020204" charset="0"/>
-      <p:regular r:id="rId35"/>
-      <p:bold r:id="rId36"/>
-      <p:italic r:id="rId37"/>
-      <p:boldItalic r:id="rId38"/>
+      <p:regular r:id="rId36"/>
+      <p:bold r:id="rId37"/>
+      <p:italic r:id="rId38"/>
+      <p:boldItalic r:id="rId39"/>
     </p:embeddedFont>
   </p:embeddedFontLst>
   <p:defaultTextStyle>
@@ -10514,6 +10515,270 @@
 </p:sldLayout>
 </file>
 
+<file path=ppt/slideLayouts/slideLayout11.xml><?xml version="1.0" encoding="utf-8"?>
+<p:sldLayout xmlns:a="http://schemas.openxmlformats.org/drawingml/2006/main" xmlns:r="http://schemas.openxmlformats.org/officeDocument/2006/relationships" xmlns:p="http://schemas.openxmlformats.org/presentationml/2006/main" matchingName="Title only" type="titleOnly">
+  <p:cSld name="Title only">
+    <p:spTree>
+      <p:nvGrpSpPr>
+        <p:cNvPr id="1" name="Shape 29"/>
+        <p:cNvGrpSpPr/>
+        <p:nvPr/>
+      </p:nvGrpSpPr>
+      <p:grpSpPr>
+        <a:xfrm>
+          <a:off x="0" y="0"/>
+          <a:ext cx="0" cy="0"/>
+          <a:chOff x="0" y="0"/>
+          <a:chExt cx="0" cy="0"/>
+        </a:xfrm>
+      </p:grpSpPr>
+      <p:sp>
+        <p:nvSpPr>
+          <p:cNvPr id="30" name="Google Shape;30;p6"/>
+          <p:cNvSpPr txBox="1">
+            <a:spLocks noGrp="1"/>
+          </p:cNvSpPr>
+          <p:nvPr>
+            <p:ph type="title"/>
+          </p:nvPr>
+        </p:nvSpPr>
+        <p:spPr>
+          <a:xfrm>
+            <a:off x="311700" y="445025"/>
+            <a:ext cx="8520600" cy="572700"/>
+          </a:xfrm>
+          <a:prstGeom prst="rect">
+            <a:avLst/>
+          </a:prstGeom>
+        </p:spPr>
+        <p:txBody>
+          <a:bodyPr spcFirstLastPara="1" wrap="square" lIns="91425" tIns="91425" rIns="91425" bIns="91425" anchor="t" anchorCtr="0">
+            <a:normAutofit/>
+          </a:bodyPr>
+          <a:lstStyle>
+            <a:lvl1pPr lvl="0">
+              <a:spcBef>
+                <a:spcPts val="0"/>
+              </a:spcBef>
+              <a:spcAft>
+                <a:spcPts val="0"/>
+              </a:spcAft>
+              <a:buSzPts val="3000"/>
+              <a:buNone/>
+              <a:defRPr/>
+            </a:lvl1pPr>
+            <a:lvl2pPr lvl="1">
+              <a:spcBef>
+                <a:spcPts val="0"/>
+              </a:spcBef>
+              <a:spcAft>
+                <a:spcPts val="0"/>
+              </a:spcAft>
+              <a:buSzPts val="3000"/>
+              <a:buNone/>
+              <a:defRPr/>
+            </a:lvl2pPr>
+            <a:lvl3pPr lvl="2">
+              <a:spcBef>
+                <a:spcPts val="0"/>
+              </a:spcBef>
+              <a:spcAft>
+                <a:spcPts val="0"/>
+              </a:spcAft>
+              <a:buSzPts val="3000"/>
+              <a:buNone/>
+              <a:defRPr/>
+            </a:lvl3pPr>
+            <a:lvl4pPr lvl="3">
+              <a:spcBef>
+                <a:spcPts val="0"/>
+              </a:spcBef>
+              <a:spcAft>
+                <a:spcPts val="0"/>
+              </a:spcAft>
+              <a:buSzPts val="3000"/>
+              <a:buNone/>
+              <a:defRPr/>
+            </a:lvl4pPr>
+            <a:lvl5pPr lvl="4">
+              <a:spcBef>
+                <a:spcPts val="0"/>
+              </a:spcBef>
+              <a:spcAft>
+                <a:spcPts val="0"/>
+              </a:spcAft>
+              <a:buSzPts val="3000"/>
+              <a:buNone/>
+              <a:defRPr/>
+            </a:lvl5pPr>
+            <a:lvl6pPr lvl="5">
+              <a:spcBef>
+                <a:spcPts val="0"/>
+              </a:spcBef>
+              <a:spcAft>
+                <a:spcPts val="0"/>
+              </a:spcAft>
+              <a:buSzPts val="3000"/>
+              <a:buNone/>
+              <a:defRPr/>
+            </a:lvl6pPr>
+            <a:lvl7pPr lvl="6">
+              <a:spcBef>
+                <a:spcPts val="0"/>
+              </a:spcBef>
+              <a:spcAft>
+                <a:spcPts val="0"/>
+              </a:spcAft>
+              <a:buSzPts val="3000"/>
+              <a:buNone/>
+              <a:defRPr/>
+            </a:lvl7pPr>
+            <a:lvl8pPr lvl="7">
+              <a:spcBef>
+                <a:spcPts val="0"/>
+              </a:spcBef>
+              <a:spcAft>
+                <a:spcPts val="0"/>
+              </a:spcAft>
+              <a:buSzPts val="3000"/>
+              <a:buNone/>
+              <a:defRPr/>
+            </a:lvl8pPr>
+            <a:lvl9pPr lvl="8">
+              <a:spcBef>
+                <a:spcPts val="0"/>
+              </a:spcBef>
+              <a:spcAft>
+                <a:spcPts val="0"/>
+              </a:spcAft>
+              <a:buSzPts val="3000"/>
+              <a:buNone/>
+              <a:defRPr/>
+            </a:lvl9pPr>
+          </a:lstStyle>
+          <a:p>
+            <a:endParaRPr/>
+          </a:p>
+        </p:txBody>
+      </p:sp>
+      <p:sp>
+        <p:nvSpPr>
+          <p:cNvPr id="31" name="Google Shape;31;p6"/>
+          <p:cNvSpPr txBox="1">
+            <a:spLocks noGrp="1"/>
+          </p:cNvSpPr>
+          <p:nvPr>
+            <p:ph type="sldNum" idx="12"/>
+          </p:nvPr>
+        </p:nvSpPr>
+        <p:spPr>
+          <a:xfrm>
+            <a:off x="8472458" y="4663217"/>
+            <a:ext cx="548700" cy="393600"/>
+          </a:xfrm>
+          <a:prstGeom prst="rect">
+            <a:avLst/>
+          </a:prstGeom>
+        </p:spPr>
+        <p:txBody>
+          <a:bodyPr spcFirstLastPara="1" wrap="square" lIns="91425" tIns="91425" rIns="91425" bIns="91425" anchor="ctr" anchorCtr="0">
+            <a:normAutofit/>
+          </a:bodyPr>
+          <a:lstStyle>
+            <a:lvl1pPr lvl="0">
+              <a:buNone/>
+              <a:defRPr/>
+            </a:lvl1pPr>
+            <a:lvl2pPr lvl="1">
+              <a:buNone/>
+              <a:defRPr/>
+            </a:lvl2pPr>
+            <a:lvl3pPr lvl="2">
+              <a:buNone/>
+              <a:defRPr/>
+            </a:lvl3pPr>
+            <a:lvl4pPr lvl="3">
+              <a:buNone/>
+              <a:defRPr/>
+            </a:lvl4pPr>
+            <a:lvl5pPr lvl="4">
+              <a:buNone/>
+              <a:defRPr/>
+            </a:lvl5pPr>
+            <a:lvl6pPr lvl="5">
+              <a:buNone/>
+              <a:defRPr/>
+            </a:lvl6pPr>
+            <a:lvl7pPr lvl="6">
+              <a:buNone/>
+              <a:defRPr/>
+            </a:lvl7pPr>
+            <a:lvl8pPr lvl="7">
+              <a:buNone/>
+              <a:defRPr/>
+            </a:lvl8pPr>
+            <a:lvl9pPr lvl="8">
+              <a:buNone/>
+              <a:defRPr/>
+            </a:lvl9pPr>
+          </a:lstStyle>
+          <a:p>
+            <a:pPr marL="0" lvl="0" indent="0" algn="r" rtl="0">
+              <a:spcBef>
+                <a:spcPts val="0"/>
+              </a:spcBef>
+              <a:spcAft>
+                <a:spcPts val="0"/>
+              </a:spcAft>
+              <a:buNone/>
+            </a:pPr>
+            <a:fld id="{00000000-1234-1234-1234-123412341234}" type="slidenum">
+              <a:rPr lang="en"/>
+              <a:t>‹#›</a:t>
+            </a:fld>
+            <a:endParaRPr/>
+          </a:p>
+        </p:txBody>
+      </p:sp>
+      <p:cxnSp>
+        <p:nvCxnSpPr>
+          <p:cNvPr id="32" name="Google Shape;32;p6"/>
+          <p:cNvCxnSpPr/>
+          <p:nvPr/>
+        </p:nvCxnSpPr>
+        <p:spPr>
+          <a:xfrm>
+            <a:off x="397650" y="1152475"/>
+            <a:ext cx="8348700" cy="1200"/>
+          </a:xfrm>
+          <a:prstGeom prst="straightConnector1">
+            <a:avLst/>
+          </a:prstGeom>
+          <a:noFill/>
+          <a:ln w="19050" cap="flat" cmpd="sng">
+            <a:solidFill>
+              <a:srgbClr val="F48121"/>
+            </a:solidFill>
+            <a:prstDash val="solid"/>
+            <a:round/>
+            <a:headEnd type="none" w="sm" len="sm"/>
+            <a:tailEnd type="none" w="sm" len="sm"/>
+          </a:ln>
+        </p:spPr>
+      </p:cxnSp>
+    </p:spTree>
+    <p:extLst>
+      <p:ext uri="{BB962C8B-B14F-4D97-AF65-F5344CB8AC3E}">
+        <p14:creationId xmlns:p14="http://schemas.microsoft.com/office/powerpoint/2010/main" val="4138333400"/>
+      </p:ext>
+    </p:extLst>
+  </p:cSld>
+  <p:clrMapOvr>
+    <a:masterClrMapping/>
+  </p:clrMapOvr>
+</p:sldLayout>
+</file>
+
 <file path=ppt/slideLayouts/slideLayout2.xml><?xml version="1.0" encoding="utf-8"?>
 <p:sldLayout xmlns:a="http://schemas.openxmlformats.org/drawingml/2006/main" xmlns:r="http://schemas.openxmlformats.org/officeDocument/2006/relationships" xmlns:p="http://schemas.openxmlformats.org/presentationml/2006/main" matchingName="Section header" type="secHead">
   <p:cSld name="SECTION_HEADER">
@@ -14446,7 +14711,7 @@
           <p:nvPr/>
         </p:nvPicPr>
         <p:blipFill>
-          <a:blip r:embed="rId12">
+          <a:blip r:embed="rId13">
             <a:alphaModFix/>
           </a:blip>
           <a:stretch>
@@ -14481,6 +14746,7 @@
     <p:sldLayoutId id="2147483656" r:id="rId8"/>
     <p:sldLayoutId id="2147483657" r:id="rId9"/>
     <p:sldLayoutId id="2147483658" r:id="rId10"/>
+    <p:sldLayoutId id="2147483660" r:id="rId11"/>
   </p:sldLayoutIdLst>
   <p:hf sldNum="0" hdr="0" ftr="0" dt="0"/>
   <p:txStyles>
@@ -25917,8 +26183,8 @@
           </a:p>
         </p:txBody>
       </p:sp>
-      <mc:AlternateContent xmlns:mc="http://schemas.openxmlformats.org/markup-compatibility/2006">
-        <mc:Choice xmlns:p14="http://schemas.microsoft.com/office/powerpoint/2010/main" Requires="p14">
+      <mc:AlternateContent xmlns:mc="http://schemas.openxmlformats.org/markup-compatibility/2006" xmlns:p14="http://schemas.microsoft.com/office/powerpoint/2010/main">
+        <mc:Choice Requires="p14">
           <p:contentPart p14:bwMode="auto" r:id="rId3">
             <p14:nvContentPartPr>
               <p14:cNvPr id="9" name="Ink 8">
@@ -25937,7 +26203,7 @@
             </p14:xfrm>
           </p:contentPart>
         </mc:Choice>
-        <mc:Fallback>
+        <mc:Fallback xmlns="">
           <p:pic>
             <p:nvPicPr>
               <p:cNvPr id="9" name="Ink 8">
@@ -25968,8 +26234,8 @@
           </p:pic>
         </mc:Fallback>
       </mc:AlternateContent>
-      <mc:AlternateContent xmlns:mc="http://schemas.openxmlformats.org/markup-compatibility/2006">
-        <mc:Choice xmlns:p14="http://schemas.microsoft.com/office/powerpoint/2010/main" Requires="p14">
+      <mc:AlternateContent xmlns:mc="http://schemas.openxmlformats.org/markup-compatibility/2006" xmlns:p14="http://schemas.microsoft.com/office/powerpoint/2010/main">
+        <mc:Choice Requires="p14">
           <p:contentPart p14:bwMode="auto" r:id="rId5">
             <p14:nvContentPartPr>
               <p14:cNvPr id="2" name="Ink 1">
@@ -25988,7 +26254,7 @@
             </p14:xfrm>
           </p:contentPart>
         </mc:Choice>
-        <mc:Fallback>
+        <mc:Fallback xmlns="">
           <p:pic>
             <p:nvPicPr>
               <p:cNvPr id="2" name="Ink 1">
@@ -26019,8 +26285,8 @@
           </p:pic>
         </mc:Fallback>
       </mc:AlternateContent>
-      <mc:AlternateContent xmlns:mc="http://schemas.openxmlformats.org/markup-compatibility/2006">
-        <mc:Choice xmlns:p14="http://schemas.microsoft.com/office/powerpoint/2010/main" Requires="p14">
+      <mc:AlternateContent xmlns:mc="http://schemas.openxmlformats.org/markup-compatibility/2006" xmlns:p14="http://schemas.microsoft.com/office/powerpoint/2010/main">
+        <mc:Choice Requires="p14">
           <p:contentPart p14:bwMode="auto" r:id="rId6">
             <p14:nvContentPartPr>
               <p14:cNvPr id="7" name="Ink 6">
@@ -26039,7 +26305,7 @@
             </p14:xfrm>
           </p:contentPart>
         </mc:Choice>
-        <mc:Fallback>
+        <mc:Fallback xmlns="">
           <p:pic>
             <p:nvPicPr>
               <p:cNvPr id="7" name="Ink 6">
@@ -26070,8 +26336,8 @@
           </p:pic>
         </mc:Fallback>
       </mc:AlternateContent>
-      <mc:AlternateContent xmlns:mc="http://schemas.openxmlformats.org/markup-compatibility/2006">
-        <mc:Choice xmlns:p14="http://schemas.microsoft.com/office/powerpoint/2010/main" Requires="p14">
+      <mc:AlternateContent xmlns:mc="http://schemas.openxmlformats.org/markup-compatibility/2006" xmlns:p14="http://schemas.microsoft.com/office/powerpoint/2010/main">
+        <mc:Choice Requires="p14">
           <p:contentPart p14:bwMode="auto" r:id="rId7">
             <p14:nvContentPartPr>
               <p14:cNvPr id="8" name="Ink 7">
@@ -26090,7 +26356,7 @@
             </p14:xfrm>
           </p:contentPart>
         </mc:Choice>
-        <mc:Fallback>
+        <mc:Fallback xmlns="">
           <p:pic>
             <p:nvPicPr>
               <p:cNvPr id="8" name="Ink 7">
@@ -26121,8 +26387,8 @@
           </p:pic>
         </mc:Fallback>
       </mc:AlternateContent>
-      <mc:AlternateContent xmlns:mc="http://schemas.openxmlformats.org/markup-compatibility/2006">
-        <mc:Choice xmlns:p14="http://schemas.microsoft.com/office/powerpoint/2010/main" Requires="p14">
+      <mc:AlternateContent xmlns:mc="http://schemas.openxmlformats.org/markup-compatibility/2006" xmlns:p14="http://schemas.microsoft.com/office/powerpoint/2010/main">
+        <mc:Choice Requires="p14">
           <p:contentPart p14:bwMode="auto" r:id="rId9">
             <p14:nvContentPartPr>
               <p14:cNvPr id="10" name="Ink 9">
@@ -26141,7 +26407,7 @@
             </p14:xfrm>
           </p:contentPart>
         </mc:Choice>
-        <mc:Fallback>
+        <mc:Fallback xmlns="">
           <p:pic>
             <p:nvPicPr>
               <p:cNvPr id="10" name="Ink 9">
@@ -26172,8 +26438,8 @@
           </p:pic>
         </mc:Fallback>
       </mc:AlternateContent>
-      <mc:AlternateContent xmlns:mc="http://schemas.openxmlformats.org/markup-compatibility/2006">
-        <mc:Choice xmlns:p14="http://schemas.microsoft.com/office/powerpoint/2010/main" Requires="p14">
+      <mc:AlternateContent xmlns:mc="http://schemas.openxmlformats.org/markup-compatibility/2006" xmlns:p14="http://schemas.microsoft.com/office/powerpoint/2010/main">
+        <mc:Choice Requires="p14">
           <p:contentPart p14:bwMode="auto" r:id="rId10">
             <p14:nvContentPartPr>
               <p14:cNvPr id="11" name="Ink 10">
@@ -26192,7 +26458,7 @@
             </p14:xfrm>
           </p:contentPart>
         </mc:Choice>
-        <mc:Fallback>
+        <mc:Fallback xmlns="">
           <p:pic>
             <p:nvPicPr>
               <p:cNvPr id="11" name="Ink 10">
@@ -26223,8 +26489,8 @@
           </p:pic>
         </mc:Fallback>
       </mc:AlternateContent>
-      <mc:AlternateContent xmlns:mc="http://schemas.openxmlformats.org/markup-compatibility/2006">
-        <mc:Choice xmlns:p14="http://schemas.microsoft.com/office/powerpoint/2010/main" Requires="p14">
+      <mc:AlternateContent xmlns:mc="http://schemas.openxmlformats.org/markup-compatibility/2006" xmlns:p14="http://schemas.microsoft.com/office/powerpoint/2010/main">
+        <mc:Choice Requires="p14">
           <p:contentPart p14:bwMode="auto" r:id="rId11">
             <p14:nvContentPartPr>
               <p14:cNvPr id="12" name="Ink 11">
@@ -26243,7 +26509,7 @@
             </p14:xfrm>
           </p:contentPart>
         </mc:Choice>
-        <mc:Fallback>
+        <mc:Fallback xmlns="">
           <p:pic>
             <p:nvPicPr>
               <p:cNvPr id="12" name="Ink 11">
@@ -26274,8 +26540,8 @@
           </p:pic>
         </mc:Fallback>
       </mc:AlternateContent>
-      <mc:AlternateContent xmlns:mc="http://schemas.openxmlformats.org/markup-compatibility/2006">
-        <mc:Choice xmlns:p14="http://schemas.microsoft.com/office/powerpoint/2010/main" Requires="p14">
+      <mc:AlternateContent xmlns:mc="http://schemas.openxmlformats.org/markup-compatibility/2006" xmlns:p14="http://schemas.microsoft.com/office/powerpoint/2010/main">
+        <mc:Choice Requires="p14">
           <p:contentPart p14:bwMode="auto" r:id="rId12">
             <p14:nvContentPartPr>
               <p14:cNvPr id="13" name="Ink 12">
@@ -26294,7 +26560,7 @@
             </p14:xfrm>
           </p:contentPart>
         </mc:Choice>
-        <mc:Fallback>
+        <mc:Fallback xmlns="">
           <p:pic>
             <p:nvPicPr>
               <p:cNvPr id="13" name="Ink 12">
@@ -26325,8 +26591,8 @@
           </p:pic>
         </mc:Fallback>
       </mc:AlternateContent>
-      <mc:AlternateContent xmlns:mc="http://schemas.openxmlformats.org/markup-compatibility/2006">
-        <mc:Choice xmlns:p14="http://schemas.microsoft.com/office/powerpoint/2010/main" Requires="p14">
+      <mc:AlternateContent xmlns:mc="http://schemas.openxmlformats.org/markup-compatibility/2006" xmlns:p14="http://schemas.microsoft.com/office/powerpoint/2010/main">
+        <mc:Choice Requires="p14">
           <p:contentPart p14:bwMode="auto" r:id="rId13">
             <p14:nvContentPartPr>
               <p14:cNvPr id="37" name="Ink 36">
@@ -26345,7 +26611,7 @@
             </p14:xfrm>
           </p:contentPart>
         </mc:Choice>
-        <mc:Fallback>
+        <mc:Fallback xmlns="">
           <p:pic>
             <p:nvPicPr>
               <p:cNvPr id="37" name="Ink 36">
@@ -26376,8 +26642,8 @@
           </p:pic>
         </mc:Fallback>
       </mc:AlternateContent>
-      <mc:AlternateContent xmlns:mc="http://schemas.openxmlformats.org/markup-compatibility/2006">
-        <mc:Choice xmlns:p14="http://schemas.microsoft.com/office/powerpoint/2010/main" Requires="p14">
+      <mc:AlternateContent xmlns:mc="http://schemas.openxmlformats.org/markup-compatibility/2006" xmlns:p14="http://schemas.microsoft.com/office/powerpoint/2010/main">
+        <mc:Choice Requires="p14">
           <p:contentPart p14:bwMode="auto" r:id="rId15">
             <p14:nvContentPartPr>
               <p14:cNvPr id="40" name="Ink 39">
@@ -26396,7 +26662,7 @@
             </p14:xfrm>
           </p:contentPart>
         </mc:Choice>
-        <mc:Fallback>
+        <mc:Fallback xmlns="">
           <p:pic>
             <p:nvPicPr>
               <p:cNvPr id="40" name="Ink 39">
@@ -26610,8 +26876,8 @@
           </a:p>
         </p:txBody>
       </p:sp>
-      <mc:AlternateContent xmlns:mc="http://schemas.openxmlformats.org/markup-compatibility/2006">
-        <mc:Choice xmlns:p14="http://schemas.microsoft.com/office/powerpoint/2010/main" Requires="p14">
+      <mc:AlternateContent xmlns:mc="http://schemas.openxmlformats.org/markup-compatibility/2006" xmlns:p14="http://schemas.microsoft.com/office/powerpoint/2010/main">
+        <mc:Choice Requires="p14">
           <p:contentPart p14:bwMode="auto" r:id="rId3">
             <p14:nvContentPartPr>
               <p14:cNvPr id="9" name="Ink 8">
@@ -26630,7 +26896,7 @@
             </p14:xfrm>
           </p:contentPart>
         </mc:Choice>
-        <mc:Fallback>
+        <mc:Fallback xmlns="">
           <p:pic>
             <p:nvPicPr>
               <p:cNvPr id="9" name="Ink 8">
@@ -26661,8 +26927,8 @@
           </p:pic>
         </mc:Fallback>
       </mc:AlternateContent>
-      <mc:AlternateContent xmlns:mc="http://schemas.openxmlformats.org/markup-compatibility/2006">
-        <mc:Choice xmlns:p14="http://schemas.microsoft.com/office/powerpoint/2010/main" Requires="p14">
+      <mc:AlternateContent xmlns:mc="http://schemas.openxmlformats.org/markup-compatibility/2006" xmlns:p14="http://schemas.microsoft.com/office/powerpoint/2010/main">
+        <mc:Choice Requires="p14">
           <p:contentPart p14:bwMode="auto" r:id="rId5">
             <p14:nvContentPartPr>
               <p14:cNvPr id="2" name="Ink 1">
@@ -26681,7 +26947,7 @@
             </p14:xfrm>
           </p:contentPart>
         </mc:Choice>
-        <mc:Fallback>
+        <mc:Fallback xmlns="">
           <p:pic>
             <p:nvPicPr>
               <p:cNvPr id="2" name="Ink 1">
@@ -26712,8 +26978,8 @@
           </p:pic>
         </mc:Fallback>
       </mc:AlternateContent>
-      <mc:AlternateContent xmlns:mc="http://schemas.openxmlformats.org/markup-compatibility/2006">
-        <mc:Choice xmlns:p14="http://schemas.microsoft.com/office/powerpoint/2010/main" Requires="p14">
+      <mc:AlternateContent xmlns:mc="http://schemas.openxmlformats.org/markup-compatibility/2006" xmlns:p14="http://schemas.microsoft.com/office/powerpoint/2010/main">
+        <mc:Choice Requires="p14">
           <p:contentPart p14:bwMode="auto" r:id="rId6">
             <p14:nvContentPartPr>
               <p14:cNvPr id="7" name="Ink 6">
@@ -26732,7 +26998,7 @@
             </p14:xfrm>
           </p:contentPart>
         </mc:Choice>
-        <mc:Fallback>
+        <mc:Fallback xmlns="">
           <p:pic>
             <p:nvPicPr>
               <p:cNvPr id="7" name="Ink 6">
@@ -26763,8 +27029,8 @@
           </p:pic>
         </mc:Fallback>
       </mc:AlternateContent>
-      <mc:AlternateContent xmlns:mc="http://schemas.openxmlformats.org/markup-compatibility/2006">
-        <mc:Choice xmlns:p14="http://schemas.microsoft.com/office/powerpoint/2010/main" Requires="p14">
+      <mc:AlternateContent xmlns:mc="http://schemas.openxmlformats.org/markup-compatibility/2006" xmlns:p14="http://schemas.microsoft.com/office/powerpoint/2010/main">
+        <mc:Choice Requires="p14">
           <p:contentPart p14:bwMode="auto" r:id="rId7">
             <p14:nvContentPartPr>
               <p14:cNvPr id="8" name="Ink 7">
@@ -26783,7 +27049,7 @@
             </p14:xfrm>
           </p:contentPart>
         </mc:Choice>
-        <mc:Fallback>
+        <mc:Fallback xmlns="">
           <p:pic>
             <p:nvPicPr>
               <p:cNvPr id="8" name="Ink 7">
@@ -26814,8 +27080,8 @@
           </p:pic>
         </mc:Fallback>
       </mc:AlternateContent>
-      <mc:AlternateContent xmlns:mc="http://schemas.openxmlformats.org/markup-compatibility/2006">
-        <mc:Choice xmlns:p14="http://schemas.microsoft.com/office/powerpoint/2010/main" Requires="p14">
+      <mc:AlternateContent xmlns:mc="http://schemas.openxmlformats.org/markup-compatibility/2006" xmlns:p14="http://schemas.microsoft.com/office/powerpoint/2010/main">
+        <mc:Choice Requires="p14">
           <p:contentPart p14:bwMode="auto" r:id="rId9">
             <p14:nvContentPartPr>
               <p14:cNvPr id="10" name="Ink 9">
@@ -26834,7 +27100,7 @@
             </p14:xfrm>
           </p:contentPart>
         </mc:Choice>
-        <mc:Fallback>
+        <mc:Fallback xmlns="">
           <p:pic>
             <p:nvPicPr>
               <p:cNvPr id="10" name="Ink 9">
@@ -26865,8 +27131,8 @@
           </p:pic>
         </mc:Fallback>
       </mc:AlternateContent>
-      <mc:AlternateContent xmlns:mc="http://schemas.openxmlformats.org/markup-compatibility/2006">
-        <mc:Choice xmlns:p14="http://schemas.microsoft.com/office/powerpoint/2010/main" Requires="p14">
+      <mc:AlternateContent xmlns:mc="http://schemas.openxmlformats.org/markup-compatibility/2006" xmlns:p14="http://schemas.microsoft.com/office/powerpoint/2010/main">
+        <mc:Choice Requires="p14">
           <p:contentPart p14:bwMode="auto" r:id="rId10">
             <p14:nvContentPartPr>
               <p14:cNvPr id="11" name="Ink 10">
@@ -26885,7 +27151,7 @@
             </p14:xfrm>
           </p:contentPart>
         </mc:Choice>
-        <mc:Fallback>
+        <mc:Fallback xmlns="">
           <p:pic>
             <p:nvPicPr>
               <p:cNvPr id="11" name="Ink 10">
@@ -26916,8 +27182,8 @@
           </p:pic>
         </mc:Fallback>
       </mc:AlternateContent>
-      <mc:AlternateContent xmlns:mc="http://schemas.openxmlformats.org/markup-compatibility/2006">
-        <mc:Choice xmlns:p14="http://schemas.microsoft.com/office/powerpoint/2010/main" Requires="p14">
+      <mc:AlternateContent xmlns:mc="http://schemas.openxmlformats.org/markup-compatibility/2006" xmlns:p14="http://schemas.microsoft.com/office/powerpoint/2010/main">
+        <mc:Choice Requires="p14">
           <p:contentPart p14:bwMode="auto" r:id="rId11">
             <p14:nvContentPartPr>
               <p14:cNvPr id="12" name="Ink 11">
@@ -26936,7 +27202,7 @@
             </p14:xfrm>
           </p:contentPart>
         </mc:Choice>
-        <mc:Fallback>
+        <mc:Fallback xmlns="">
           <p:pic>
             <p:nvPicPr>
               <p:cNvPr id="12" name="Ink 11">
@@ -26967,8 +27233,8 @@
           </p:pic>
         </mc:Fallback>
       </mc:AlternateContent>
-      <mc:AlternateContent xmlns:mc="http://schemas.openxmlformats.org/markup-compatibility/2006">
-        <mc:Choice xmlns:p14="http://schemas.microsoft.com/office/powerpoint/2010/main" Requires="p14">
+      <mc:AlternateContent xmlns:mc="http://schemas.openxmlformats.org/markup-compatibility/2006" xmlns:p14="http://schemas.microsoft.com/office/powerpoint/2010/main">
+        <mc:Choice Requires="p14">
           <p:contentPart p14:bwMode="auto" r:id="rId12">
             <p14:nvContentPartPr>
               <p14:cNvPr id="13" name="Ink 12">
@@ -26987,7 +27253,7 @@
             </p14:xfrm>
           </p:contentPart>
         </mc:Choice>
-        <mc:Fallback>
+        <mc:Fallback xmlns="">
           <p:pic>
             <p:nvPicPr>
               <p:cNvPr id="13" name="Ink 12">
@@ -27018,8 +27284,8 @@
           </p:pic>
         </mc:Fallback>
       </mc:AlternateContent>
-      <mc:AlternateContent xmlns:mc="http://schemas.openxmlformats.org/markup-compatibility/2006">
-        <mc:Choice xmlns:p14="http://schemas.microsoft.com/office/powerpoint/2010/main" Requires="p14">
+      <mc:AlternateContent xmlns:mc="http://schemas.openxmlformats.org/markup-compatibility/2006" xmlns:p14="http://schemas.microsoft.com/office/powerpoint/2010/main">
+        <mc:Choice Requires="p14">
           <p:contentPart p14:bwMode="auto" r:id="rId13">
             <p14:nvContentPartPr>
               <p14:cNvPr id="37" name="Ink 36">
@@ -27038,7 +27304,7 @@
             </p14:xfrm>
           </p:contentPart>
         </mc:Choice>
-        <mc:Fallback>
+        <mc:Fallback xmlns="">
           <p:pic>
             <p:nvPicPr>
               <p:cNvPr id="37" name="Ink 36">
@@ -27069,8 +27335,8 @@
           </p:pic>
         </mc:Fallback>
       </mc:AlternateContent>
-      <mc:AlternateContent xmlns:mc="http://schemas.openxmlformats.org/markup-compatibility/2006">
-        <mc:Choice xmlns:p14="http://schemas.microsoft.com/office/powerpoint/2010/main" Requires="p14">
+      <mc:AlternateContent xmlns:mc="http://schemas.openxmlformats.org/markup-compatibility/2006" xmlns:p14="http://schemas.microsoft.com/office/powerpoint/2010/main">
+        <mc:Choice Requires="p14">
           <p:contentPart p14:bwMode="auto" r:id="rId15">
             <p14:nvContentPartPr>
               <p14:cNvPr id="40" name="Ink 39">
@@ -27089,7 +27355,7 @@
             </p14:xfrm>
           </p:contentPart>
         </mc:Choice>
-        <mc:Fallback>
+        <mc:Fallback xmlns="">
           <p:pic>
             <p:nvPicPr>
               <p:cNvPr id="40" name="Ink 39">
@@ -27371,8 +27637,8 @@
           </a:p>
         </p:txBody>
       </p:sp>
-      <mc:AlternateContent xmlns:mc="http://schemas.openxmlformats.org/markup-compatibility/2006">
-        <mc:Choice xmlns:p14="http://schemas.microsoft.com/office/powerpoint/2010/main" Requires="p14">
+      <mc:AlternateContent xmlns:mc="http://schemas.openxmlformats.org/markup-compatibility/2006" xmlns:p14="http://schemas.microsoft.com/office/powerpoint/2010/main">
+        <mc:Choice Requires="p14">
           <p:contentPart p14:bwMode="auto" r:id="rId3">
             <p14:nvContentPartPr>
               <p14:cNvPr id="9" name="Ink 8">
@@ -27391,7 +27657,7 @@
             </p14:xfrm>
           </p:contentPart>
         </mc:Choice>
-        <mc:Fallback>
+        <mc:Fallback xmlns="">
           <p:pic>
             <p:nvPicPr>
               <p:cNvPr id="9" name="Ink 8">
@@ -27422,8 +27688,8 @@
           </p:pic>
         </mc:Fallback>
       </mc:AlternateContent>
-      <mc:AlternateContent xmlns:mc="http://schemas.openxmlformats.org/markup-compatibility/2006">
-        <mc:Choice xmlns:p14="http://schemas.microsoft.com/office/powerpoint/2010/main" Requires="p14">
+      <mc:AlternateContent xmlns:mc="http://schemas.openxmlformats.org/markup-compatibility/2006" xmlns:p14="http://schemas.microsoft.com/office/powerpoint/2010/main">
+        <mc:Choice Requires="p14">
           <p:contentPart p14:bwMode="auto" r:id="rId5">
             <p14:nvContentPartPr>
               <p14:cNvPr id="2" name="Ink 1">
@@ -27442,7 +27708,7 @@
             </p14:xfrm>
           </p:contentPart>
         </mc:Choice>
-        <mc:Fallback>
+        <mc:Fallback xmlns="">
           <p:pic>
             <p:nvPicPr>
               <p:cNvPr id="2" name="Ink 1">
@@ -27473,8 +27739,8 @@
           </p:pic>
         </mc:Fallback>
       </mc:AlternateContent>
-      <mc:AlternateContent xmlns:mc="http://schemas.openxmlformats.org/markup-compatibility/2006">
-        <mc:Choice xmlns:p14="http://schemas.microsoft.com/office/powerpoint/2010/main" Requires="p14">
+      <mc:AlternateContent xmlns:mc="http://schemas.openxmlformats.org/markup-compatibility/2006" xmlns:p14="http://schemas.microsoft.com/office/powerpoint/2010/main">
+        <mc:Choice Requires="p14">
           <p:contentPart p14:bwMode="auto" r:id="rId6">
             <p14:nvContentPartPr>
               <p14:cNvPr id="7" name="Ink 6">
@@ -27493,7 +27759,7 @@
             </p14:xfrm>
           </p:contentPart>
         </mc:Choice>
-        <mc:Fallback>
+        <mc:Fallback xmlns="">
           <p:pic>
             <p:nvPicPr>
               <p:cNvPr id="7" name="Ink 6">
@@ -27524,8 +27790,8 @@
           </p:pic>
         </mc:Fallback>
       </mc:AlternateContent>
-      <mc:AlternateContent xmlns:mc="http://schemas.openxmlformats.org/markup-compatibility/2006">
-        <mc:Choice xmlns:p14="http://schemas.microsoft.com/office/powerpoint/2010/main" Requires="p14">
+      <mc:AlternateContent xmlns:mc="http://schemas.openxmlformats.org/markup-compatibility/2006" xmlns:p14="http://schemas.microsoft.com/office/powerpoint/2010/main">
+        <mc:Choice Requires="p14">
           <p:contentPart p14:bwMode="auto" r:id="rId7">
             <p14:nvContentPartPr>
               <p14:cNvPr id="8" name="Ink 7">
@@ -27544,7 +27810,7 @@
             </p14:xfrm>
           </p:contentPart>
         </mc:Choice>
-        <mc:Fallback>
+        <mc:Fallback xmlns="">
           <p:pic>
             <p:nvPicPr>
               <p:cNvPr id="8" name="Ink 7">
@@ -27575,8 +27841,8 @@
           </p:pic>
         </mc:Fallback>
       </mc:AlternateContent>
-      <mc:AlternateContent xmlns:mc="http://schemas.openxmlformats.org/markup-compatibility/2006">
-        <mc:Choice xmlns:p14="http://schemas.microsoft.com/office/powerpoint/2010/main" Requires="p14">
+      <mc:AlternateContent xmlns:mc="http://schemas.openxmlformats.org/markup-compatibility/2006" xmlns:p14="http://schemas.microsoft.com/office/powerpoint/2010/main">
+        <mc:Choice Requires="p14">
           <p:contentPart p14:bwMode="auto" r:id="rId9">
             <p14:nvContentPartPr>
               <p14:cNvPr id="10" name="Ink 9">
@@ -27595,7 +27861,7 @@
             </p14:xfrm>
           </p:contentPart>
         </mc:Choice>
-        <mc:Fallback>
+        <mc:Fallback xmlns="">
           <p:pic>
             <p:nvPicPr>
               <p:cNvPr id="10" name="Ink 9">
@@ -27626,8 +27892,8 @@
           </p:pic>
         </mc:Fallback>
       </mc:AlternateContent>
-      <mc:AlternateContent xmlns:mc="http://schemas.openxmlformats.org/markup-compatibility/2006">
-        <mc:Choice xmlns:p14="http://schemas.microsoft.com/office/powerpoint/2010/main" Requires="p14">
+      <mc:AlternateContent xmlns:mc="http://schemas.openxmlformats.org/markup-compatibility/2006" xmlns:p14="http://schemas.microsoft.com/office/powerpoint/2010/main">
+        <mc:Choice Requires="p14">
           <p:contentPart p14:bwMode="auto" r:id="rId10">
             <p14:nvContentPartPr>
               <p14:cNvPr id="11" name="Ink 10">
@@ -27646,7 +27912,7 @@
             </p14:xfrm>
           </p:contentPart>
         </mc:Choice>
-        <mc:Fallback>
+        <mc:Fallback xmlns="">
           <p:pic>
             <p:nvPicPr>
               <p:cNvPr id="11" name="Ink 10">
@@ -27677,8 +27943,8 @@
           </p:pic>
         </mc:Fallback>
       </mc:AlternateContent>
-      <mc:AlternateContent xmlns:mc="http://schemas.openxmlformats.org/markup-compatibility/2006">
-        <mc:Choice xmlns:p14="http://schemas.microsoft.com/office/powerpoint/2010/main" Requires="p14">
+      <mc:AlternateContent xmlns:mc="http://schemas.openxmlformats.org/markup-compatibility/2006" xmlns:p14="http://schemas.microsoft.com/office/powerpoint/2010/main">
+        <mc:Choice Requires="p14">
           <p:contentPart p14:bwMode="auto" r:id="rId11">
             <p14:nvContentPartPr>
               <p14:cNvPr id="12" name="Ink 11">
@@ -27697,7 +27963,7 @@
             </p14:xfrm>
           </p:contentPart>
         </mc:Choice>
-        <mc:Fallback>
+        <mc:Fallback xmlns="">
           <p:pic>
             <p:nvPicPr>
               <p:cNvPr id="12" name="Ink 11">
@@ -27728,8 +27994,8 @@
           </p:pic>
         </mc:Fallback>
       </mc:AlternateContent>
-      <mc:AlternateContent xmlns:mc="http://schemas.openxmlformats.org/markup-compatibility/2006">
-        <mc:Choice xmlns:p14="http://schemas.microsoft.com/office/powerpoint/2010/main" Requires="p14">
+      <mc:AlternateContent xmlns:mc="http://schemas.openxmlformats.org/markup-compatibility/2006" xmlns:p14="http://schemas.microsoft.com/office/powerpoint/2010/main">
+        <mc:Choice Requires="p14">
           <p:contentPart p14:bwMode="auto" r:id="rId12">
             <p14:nvContentPartPr>
               <p14:cNvPr id="13" name="Ink 12">
@@ -27748,7 +28014,7 @@
             </p14:xfrm>
           </p:contentPart>
         </mc:Choice>
-        <mc:Fallback>
+        <mc:Fallback xmlns="">
           <p:pic>
             <p:nvPicPr>
               <p:cNvPr id="13" name="Ink 12">
@@ -27779,8 +28045,8 @@
           </p:pic>
         </mc:Fallback>
       </mc:AlternateContent>
-      <mc:AlternateContent xmlns:mc="http://schemas.openxmlformats.org/markup-compatibility/2006">
-        <mc:Choice xmlns:p14="http://schemas.microsoft.com/office/powerpoint/2010/main" Requires="p14">
+      <mc:AlternateContent xmlns:mc="http://schemas.openxmlformats.org/markup-compatibility/2006" xmlns:p14="http://schemas.microsoft.com/office/powerpoint/2010/main">
+        <mc:Choice Requires="p14">
           <p:contentPart p14:bwMode="auto" r:id="rId13">
             <p14:nvContentPartPr>
               <p14:cNvPr id="37" name="Ink 36">
@@ -27799,7 +28065,7 @@
             </p14:xfrm>
           </p:contentPart>
         </mc:Choice>
-        <mc:Fallback>
+        <mc:Fallback xmlns="">
           <p:pic>
             <p:nvPicPr>
               <p:cNvPr id="37" name="Ink 36">
@@ -27830,8 +28096,8 @@
           </p:pic>
         </mc:Fallback>
       </mc:AlternateContent>
-      <mc:AlternateContent xmlns:mc="http://schemas.openxmlformats.org/markup-compatibility/2006">
-        <mc:Choice xmlns:p14="http://schemas.microsoft.com/office/powerpoint/2010/main" Requires="p14">
+      <mc:AlternateContent xmlns:mc="http://schemas.openxmlformats.org/markup-compatibility/2006" xmlns:p14="http://schemas.microsoft.com/office/powerpoint/2010/main">
+        <mc:Choice Requires="p14">
           <p:contentPart p14:bwMode="auto" r:id="rId15">
             <p14:nvContentPartPr>
               <p14:cNvPr id="40" name="Ink 39">
@@ -27850,7 +28116,7 @@
             </p14:xfrm>
           </p:contentPart>
         </mc:Choice>
-        <mc:Fallback>
+        <mc:Fallback xmlns="">
           <p:pic>
             <p:nvPicPr>
               <p:cNvPr id="40" name="Ink 39">
@@ -28047,8 +28313,8 @@
           </a:p>
         </p:txBody>
       </p:sp>
-      <mc:AlternateContent xmlns:mc="http://schemas.openxmlformats.org/markup-compatibility/2006">
-        <mc:Choice xmlns:p14="http://schemas.microsoft.com/office/powerpoint/2010/main" Requires="p14">
+      <mc:AlternateContent xmlns:mc="http://schemas.openxmlformats.org/markup-compatibility/2006" xmlns:p14="http://schemas.microsoft.com/office/powerpoint/2010/main">
+        <mc:Choice Requires="p14">
           <p:contentPart p14:bwMode="auto" r:id="rId4">
             <p14:nvContentPartPr>
               <p14:cNvPr id="9" name="Ink 8">
@@ -28067,7 +28333,7 @@
             </p14:xfrm>
           </p:contentPart>
         </mc:Choice>
-        <mc:Fallback>
+        <mc:Fallback xmlns="">
           <p:pic>
             <p:nvPicPr>
               <p:cNvPr id="9" name="Ink 8">
@@ -28098,8 +28364,8 @@
           </p:pic>
         </mc:Fallback>
       </mc:AlternateContent>
-      <mc:AlternateContent xmlns:mc="http://schemas.openxmlformats.org/markup-compatibility/2006">
-        <mc:Choice xmlns:p14="http://schemas.microsoft.com/office/powerpoint/2010/main" Requires="p14">
+      <mc:AlternateContent xmlns:mc="http://schemas.openxmlformats.org/markup-compatibility/2006" xmlns:p14="http://schemas.microsoft.com/office/powerpoint/2010/main">
+        <mc:Choice Requires="p14">
           <p:contentPart p14:bwMode="auto" r:id="rId6">
             <p14:nvContentPartPr>
               <p14:cNvPr id="2" name="Ink 1">
@@ -28118,7 +28384,7 @@
             </p14:xfrm>
           </p:contentPart>
         </mc:Choice>
-        <mc:Fallback>
+        <mc:Fallback xmlns="">
           <p:pic>
             <p:nvPicPr>
               <p:cNvPr id="2" name="Ink 1">
@@ -28149,8 +28415,8 @@
           </p:pic>
         </mc:Fallback>
       </mc:AlternateContent>
-      <mc:AlternateContent xmlns:mc="http://schemas.openxmlformats.org/markup-compatibility/2006">
-        <mc:Choice xmlns:p14="http://schemas.microsoft.com/office/powerpoint/2010/main" Requires="p14">
+      <mc:AlternateContent xmlns:mc="http://schemas.openxmlformats.org/markup-compatibility/2006" xmlns:p14="http://schemas.microsoft.com/office/powerpoint/2010/main">
+        <mc:Choice Requires="p14">
           <p:contentPart p14:bwMode="auto" r:id="rId7">
             <p14:nvContentPartPr>
               <p14:cNvPr id="7" name="Ink 6">
@@ -28169,7 +28435,7 @@
             </p14:xfrm>
           </p:contentPart>
         </mc:Choice>
-        <mc:Fallback>
+        <mc:Fallback xmlns="">
           <p:pic>
             <p:nvPicPr>
               <p:cNvPr id="7" name="Ink 6">
@@ -28200,8 +28466,8 @@
           </p:pic>
         </mc:Fallback>
       </mc:AlternateContent>
-      <mc:AlternateContent xmlns:mc="http://schemas.openxmlformats.org/markup-compatibility/2006">
-        <mc:Choice xmlns:p14="http://schemas.microsoft.com/office/powerpoint/2010/main" Requires="p14">
+      <mc:AlternateContent xmlns:mc="http://schemas.openxmlformats.org/markup-compatibility/2006" xmlns:p14="http://schemas.microsoft.com/office/powerpoint/2010/main">
+        <mc:Choice Requires="p14">
           <p:contentPart p14:bwMode="auto" r:id="rId8">
             <p14:nvContentPartPr>
               <p14:cNvPr id="8" name="Ink 7">
@@ -28220,7 +28486,7 @@
             </p14:xfrm>
           </p:contentPart>
         </mc:Choice>
-        <mc:Fallback>
+        <mc:Fallback xmlns="">
           <p:pic>
             <p:nvPicPr>
               <p:cNvPr id="8" name="Ink 7">
@@ -28251,8 +28517,8 @@
           </p:pic>
         </mc:Fallback>
       </mc:AlternateContent>
-      <mc:AlternateContent xmlns:mc="http://schemas.openxmlformats.org/markup-compatibility/2006">
-        <mc:Choice xmlns:p14="http://schemas.microsoft.com/office/powerpoint/2010/main" Requires="p14">
+      <mc:AlternateContent xmlns:mc="http://schemas.openxmlformats.org/markup-compatibility/2006" xmlns:p14="http://schemas.microsoft.com/office/powerpoint/2010/main">
+        <mc:Choice Requires="p14">
           <p:contentPart p14:bwMode="auto" r:id="rId10">
             <p14:nvContentPartPr>
               <p14:cNvPr id="10" name="Ink 9">
@@ -28271,7 +28537,7 @@
             </p14:xfrm>
           </p:contentPart>
         </mc:Choice>
-        <mc:Fallback>
+        <mc:Fallback xmlns="">
           <p:pic>
             <p:nvPicPr>
               <p:cNvPr id="10" name="Ink 9">
@@ -28302,8 +28568,8 @@
           </p:pic>
         </mc:Fallback>
       </mc:AlternateContent>
-      <mc:AlternateContent xmlns:mc="http://schemas.openxmlformats.org/markup-compatibility/2006">
-        <mc:Choice xmlns:p14="http://schemas.microsoft.com/office/powerpoint/2010/main" Requires="p14">
+      <mc:AlternateContent xmlns:mc="http://schemas.openxmlformats.org/markup-compatibility/2006" xmlns:p14="http://schemas.microsoft.com/office/powerpoint/2010/main">
+        <mc:Choice Requires="p14">
           <p:contentPart p14:bwMode="auto" r:id="rId11">
             <p14:nvContentPartPr>
               <p14:cNvPr id="11" name="Ink 10">
@@ -28322,7 +28588,7 @@
             </p14:xfrm>
           </p:contentPart>
         </mc:Choice>
-        <mc:Fallback>
+        <mc:Fallback xmlns="">
           <p:pic>
             <p:nvPicPr>
               <p:cNvPr id="11" name="Ink 10">
@@ -28353,8 +28619,8 @@
           </p:pic>
         </mc:Fallback>
       </mc:AlternateContent>
-      <mc:AlternateContent xmlns:mc="http://schemas.openxmlformats.org/markup-compatibility/2006">
-        <mc:Choice xmlns:p14="http://schemas.microsoft.com/office/powerpoint/2010/main" Requires="p14">
+      <mc:AlternateContent xmlns:mc="http://schemas.openxmlformats.org/markup-compatibility/2006" xmlns:p14="http://schemas.microsoft.com/office/powerpoint/2010/main">
+        <mc:Choice Requires="p14">
           <p:contentPart p14:bwMode="auto" r:id="rId12">
             <p14:nvContentPartPr>
               <p14:cNvPr id="12" name="Ink 11">
@@ -28373,7 +28639,7 @@
             </p14:xfrm>
           </p:contentPart>
         </mc:Choice>
-        <mc:Fallback>
+        <mc:Fallback xmlns="">
           <p:pic>
             <p:nvPicPr>
               <p:cNvPr id="12" name="Ink 11">
@@ -28404,8 +28670,8 @@
           </p:pic>
         </mc:Fallback>
       </mc:AlternateContent>
-      <mc:AlternateContent xmlns:mc="http://schemas.openxmlformats.org/markup-compatibility/2006">
-        <mc:Choice xmlns:p14="http://schemas.microsoft.com/office/powerpoint/2010/main" Requires="p14">
+      <mc:AlternateContent xmlns:mc="http://schemas.openxmlformats.org/markup-compatibility/2006" xmlns:p14="http://schemas.microsoft.com/office/powerpoint/2010/main">
+        <mc:Choice Requires="p14">
           <p:contentPart p14:bwMode="auto" r:id="rId13">
             <p14:nvContentPartPr>
               <p14:cNvPr id="13" name="Ink 12">
@@ -28424,7 +28690,7 @@
             </p14:xfrm>
           </p:contentPart>
         </mc:Choice>
-        <mc:Fallback>
+        <mc:Fallback xmlns="">
           <p:pic>
             <p:nvPicPr>
               <p:cNvPr id="13" name="Ink 12">
@@ -28455,8 +28721,8 @@
           </p:pic>
         </mc:Fallback>
       </mc:AlternateContent>
-      <mc:AlternateContent xmlns:mc="http://schemas.openxmlformats.org/markup-compatibility/2006">
-        <mc:Choice xmlns:p14="http://schemas.microsoft.com/office/powerpoint/2010/main" Requires="p14">
+      <mc:AlternateContent xmlns:mc="http://schemas.openxmlformats.org/markup-compatibility/2006" xmlns:p14="http://schemas.microsoft.com/office/powerpoint/2010/main">
+        <mc:Choice Requires="p14">
           <p:contentPart p14:bwMode="auto" r:id="rId14">
             <p14:nvContentPartPr>
               <p14:cNvPr id="37" name="Ink 36">
@@ -28475,7 +28741,7 @@
             </p14:xfrm>
           </p:contentPart>
         </mc:Choice>
-        <mc:Fallback>
+        <mc:Fallback xmlns="">
           <p:pic>
             <p:nvPicPr>
               <p:cNvPr id="37" name="Ink 36">
@@ -28506,8 +28772,8 @@
           </p:pic>
         </mc:Fallback>
       </mc:AlternateContent>
-      <mc:AlternateContent xmlns:mc="http://schemas.openxmlformats.org/markup-compatibility/2006">
-        <mc:Choice xmlns:p14="http://schemas.microsoft.com/office/powerpoint/2010/main" Requires="p14">
+      <mc:AlternateContent xmlns:mc="http://schemas.openxmlformats.org/markup-compatibility/2006" xmlns:p14="http://schemas.microsoft.com/office/powerpoint/2010/main">
+        <mc:Choice Requires="p14">
           <p:contentPart p14:bwMode="auto" r:id="rId16">
             <p14:nvContentPartPr>
               <p14:cNvPr id="40" name="Ink 39">
@@ -28526,7 +28792,7 @@
             </p14:xfrm>
           </p:contentPart>
         </mc:Choice>
-        <mc:Fallback>
+        <mc:Fallback xmlns="">
           <p:pic>
             <p:nvPicPr>
               <p:cNvPr id="40" name="Ink 39">
@@ -28735,6 +29001,110 @@
       </p:par>
     </p:tnLst>
   </p:timing>
+</p:sld>
+</file>
+
+<file path=ppt/slides/slide32.xml><?xml version="1.0" encoding="utf-8"?>
+<p:sld xmlns:a="http://schemas.openxmlformats.org/drawingml/2006/main" xmlns:r="http://schemas.openxmlformats.org/officeDocument/2006/relationships" xmlns:p="http://schemas.openxmlformats.org/presentationml/2006/main">
+  <p:cSld>
+    <p:spTree>
+      <p:nvGrpSpPr>
+        <p:cNvPr id="1" name=""/>
+        <p:cNvGrpSpPr/>
+        <p:nvPr/>
+      </p:nvGrpSpPr>
+      <p:grpSpPr>
+        <a:xfrm>
+          <a:off x="0" y="0"/>
+          <a:ext cx="0" cy="0"/>
+          <a:chOff x="0" y="0"/>
+          <a:chExt cx="0" cy="0"/>
+        </a:xfrm>
+      </p:grpSpPr>
+      <p:sp>
+        <p:nvSpPr>
+          <p:cNvPr id="2" name="Title 1">
+            <a:extLst>
+              <a:ext uri="{FF2B5EF4-FFF2-40B4-BE49-F238E27FC236}">
+                <a16:creationId xmlns:a16="http://schemas.microsoft.com/office/drawing/2014/main" id="{CF6D12E1-FBF4-CDF1-B80D-910C581441FA}"/>
+              </a:ext>
+            </a:extLst>
+          </p:cNvPr>
+          <p:cNvSpPr>
+            <a:spLocks noGrp="1"/>
+          </p:cNvSpPr>
+          <p:nvPr>
+            <p:ph type="title"/>
+          </p:nvPr>
+        </p:nvSpPr>
+        <p:spPr/>
+        <p:txBody>
+          <a:bodyPr>
+            <a:normAutofit fontScale="90000"/>
+          </a:bodyPr>
+          <a:lstStyle/>
+          <a:p>
+            <a:endParaRPr lang="en-US"/>
+          </a:p>
+        </p:txBody>
+      </p:sp>
+      <p:pic>
+        <p:nvPicPr>
+          <p:cNvPr id="2050" name="Picture 2">
+            <a:extLst>
+              <a:ext uri="{FF2B5EF4-FFF2-40B4-BE49-F238E27FC236}">
+                <a16:creationId xmlns:a16="http://schemas.microsoft.com/office/drawing/2014/main" id="{DEF02AC6-78FC-B7BC-B1CC-891990A6FE59}"/>
+              </a:ext>
+            </a:extLst>
+          </p:cNvPr>
+          <p:cNvPicPr>
+            <a:picLocks noChangeAspect="1" noChangeArrowheads="1"/>
+          </p:cNvPicPr>
+          <p:nvPr/>
+        </p:nvPicPr>
+        <p:blipFill>
+          <a:blip r:embed="rId2">
+            <a:extLst>
+              <a:ext uri="{28A0092B-C50C-407E-A947-70E740481C1C}">
+                <a14:useLocalDpi xmlns:a14="http://schemas.microsoft.com/office/drawing/2010/main" val="0"/>
+              </a:ext>
+            </a:extLst>
+          </a:blip>
+          <a:srcRect/>
+          <a:stretch>
+            <a:fillRect/>
+          </a:stretch>
+        </p:blipFill>
+        <p:spPr bwMode="auto">
+          <a:xfrm>
+            <a:off x="0" y="0"/>
+            <a:ext cx="9144000" cy="5143500"/>
+          </a:xfrm>
+          <a:prstGeom prst="rect">
+            <a:avLst/>
+          </a:prstGeom>
+          <a:noFill/>
+          <a:extLst>
+            <a:ext uri="{909E8E84-426E-40DD-AFC4-6F175D3DCCD1}">
+              <a14:hiddenFill xmlns:a14="http://schemas.microsoft.com/office/drawing/2010/main">
+                <a:solidFill>
+                  <a:srgbClr val="FFFFFF"/>
+                </a:solidFill>
+              </a14:hiddenFill>
+            </a:ext>
+          </a:extLst>
+        </p:spPr>
+      </p:pic>
+    </p:spTree>
+    <p:extLst>
+      <p:ext uri="{BB962C8B-B14F-4D97-AF65-F5344CB8AC3E}">
+        <p14:creationId xmlns:p14="http://schemas.microsoft.com/office/powerpoint/2010/main" val="1171021255"/>
+      </p:ext>
+    </p:extLst>
+  </p:cSld>
+  <p:clrMapOvr>
+    <a:masterClrMapping/>
+  </p:clrMapOvr>
 </p:sld>
 </file>
 
